--- a/tutorials/pipelines/tut_a_fun_bud/vector files/fig11abc_medium.pptx
+++ b/tutorials/pipelines/tut_a_fun_bud/vector files/fig11abc_medium.pptx
@@ -243,7 +243,7 @@
           <a:p>
             <a:fld id="{CA1BB51F-BFC6-4DD3-8C2A-5B21FD6F69C3}" type="datetimeFigureOut">
               <a:rPr lang="en-SE" smtClean="0"/>
-              <a:t>10/01/2023</a:t>
+              <a:t>2023-10-05</a:t>
             </a:fld>
             <a:endParaRPr lang="en-SE"/>
           </a:p>
@@ -413,7 +413,7 @@
           <a:p>
             <a:fld id="{CA1BB51F-BFC6-4DD3-8C2A-5B21FD6F69C3}" type="datetimeFigureOut">
               <a:rPr lang="en-SE" smtClean="0"/>
-              <a:t>10/01/2023</a:t>
+              <a:t>2023-10-05</a:t>
             </a:fld>
             <a:endParaRPr lang="en-SE"/>
           </a:p>
@@ -593,7 +593,7 @@
           <a:p>
             <a:fld id="{CA1BB51F-BFC6-4DD3-8C2A-5B21FD6F69C3}" type="datetimeFigureOut">
               <a:rPr lang="en-SE" smtClean="0"/>
-              <a:t>10/01/2023</a:t>
+              <a:t>2023-10-05</a:t>
             </a:fld>
             <a:endParaRPr lang="en-SE"/>
           </a:p>
@@ -763,7 +763,7 @@
           <a:p>
             <a:fld id="{CA1BB51F-BFC6-4DD3-8C2A-5B21FD6F69C3}" type="datetimeFigureOut">
               <a:rPr lang="en-SE" smtClean="0"/>
-              <a:t>10/01/2023</a:t>
+              <a:t>2023-10-05</a:t>
             </a:fld>
             <a:endParaRPr lang="en-SE"/>
           </a:p>
@@ -1007,7 +1007,7 @@
           <a:p>
             <a:fld id="{CA1BB51F-BFC6-4DD3-8C2A-5B21FD6F69C3}" type="datetimeFigureOut">
               <a:rPr lang="en-SE" smtClean="0"/>
-              <a:t>10/01/2023</a:t>
+              <a:t>2023-10-05</a:t>
             </a:fld>
             <a:endParaRPr lang="en-SE"/>
           </a:p>
@@ -1239,7 +1239,7 @@
           <a:p>
             <a:fld id="{CA1BB51F-BFC6-4DD3-8C2A-5B21FD6F69C3}" type="datetimeFigureOut">
               <a:rPr lang="en-SE" smtClean="0"/>
-              <a:t>10/01/2023</a:t>
+              <a:t>2023-10-05</a:t>
             </a:fld>
             <a:endParaRPr lang="en-SE"/>
           </a:p>
@@ -1606,7 +1606,7 @@
           <a:p>
             <a:fld id="{CA1BB51F-BFC6-4DD3-8C2A-5B21FD6F69C3}" type="datetimeFigureOut">
               <a:rPr lang="en-SE" smtClean="0"/>
-              <a:t>10/01/2023</a:t>
+              <a:t>2023-10-05</a:t>
             </a:fld>
             <a:endParaRPr lang="en-SE"/>
           </a:p>
@@ -1724,7 +1724,7 @@
           <a:p>
             <a:fld id="{CA1BB51F-BFC6-4DD3-8C2A-5B21FD6F69C3}" type="datetimeFigureOut">
               <a:rPr lang="en-SE" smtClean="0"/>
-              <a:t>10/01/2023</a:t>
+              <a:t>2023-10-05</a:t>
             </a:fld>
             <a:endParaRPr lang="en-SE"/>
           </a:p>
@@ -1819,7 +1819,7 @@
           <a:p>
             <a:fld id="{CA1BB51F-BFC6-4DD3-8C2A-5B21FD6F69C3}" type="datetimeFigureOut">
               <a:rPr lang="en-SE" smtClean="0"/>
-              <a:t>10/01/2023</a:t>
+              <a:t>2023-10-05</a:t>
             </a:fld>
             <a:endParaRPr lang="en-SE"/>
           </a:p>
@@ -2096,7 +2096,7 @@
           <a:p>
             <a:fld id="{CA1BB51F-BFC6-4DD3-8C2A-5B21FD6F69C3}" type="datetimeFigureOut">
               <a:rPr lang="en-SE" smtClean="0"/>
-              <a:t>10/01/2023</a:t>
+              <a:t>2023-10-05</a:t>
             </a:fld>
             <a:endParaRPr lang="en-SE"/>
           </a:p>
@@ -2353,7 +2353,7 @@
           <a:p>
             <a:fld id="{CA1BB51F-BFC6-4DD3-8C2A-5B21FD6F69C3}" type="datetimeFigureOut">
               <a:rPr lang="en-SE" smtClean="0"/>
-              <a:t>10/01/2023</a:t>
+              <a:t>2023-10-05</a:t>
             </a:fld>
             <a:endParaRPr lang="en-SE"/>
           </a:p>
@@ -2566,7 +2566,7 @@
           <a:p>
             <a:fld id="{CA1BB51F-BFC6-4DD3-8C2A-5B21FD6F69C3}" type="datetimeFigureOut">
               <a:rPr lang="en-SE" smtClean="0"/>
-              <a:t>10/01/2023</a:t>
+              <a:t>2023-10-05</a:t>
             </a:fld>
             <a:endParaRPr lang="en-SE"/>
           </a:p>
@@ -3212,7 +3212,7 @@
           </p:nvSpPr>
           <p:spPr>
             <a:xfrm>
-              <a:off x="2774597" y="727587"/>
+              <a:off x="2372410" y="875230"/>
               <a:ext cx="252000" cy="252000"/>
             </a:xfrm>
             <a:prstGeom prst="ellipse">

--- a/tutorials/pipelines/tut_a_fun_bud/vector files/fig11abc_medium.pptx
+++ b/tutorials/pipelines/tut_a_fun_bud/vector files/fig11abc_medium.pptx
@@ -243,7 +243,7 @@
           <a:p>
             <a:fld id="{CA1BB51F-BFC6-4DD3-8C2A-5B21FD6F69C3}" type="datetimeFigureOut">
               <a:rPr lang="en-SE" smtClean="0"/>
-              <a:t>2023-10-05</a:t>
+              <a:t>10/01/2023</a:t>
             </a:fld>
             <a:endParaRPr lang="en-SE"/>
           </a:p>
@@ -413,7 +413,7 @@
           <a:p>
             <a:fld id="{CA1BB51F-BFC6-4DD3-8C2A-5B21FD6F69C3}" type="datetimeFigureOut">
               <a:rPr lang="en-SE" smtClean="0"/>
-              <a:t>2023-10-05</a:t>
+              <a:t>10/01/2023</a:t>
             </a:fld>
             <a:endParaRPr lang="en-SE"/>
           </a:p>
@@ -593,7 +593,7 @@
           <a:p>
             <a:fld id="{CA1BB51F-BFC6-4DD3-8C2A-5B21FD6F69C3}" type="datetimeFigureOut">
               <a:rPr lang="en-SE" smtClean="0"/>
-              <a:t>2023-10-05</a:t>
+              <a:t>10/01/2023</a:t>
             </a:fld>
             <a:endParaRPr lang="en-SE"/>
           </a:p>
@@ -763,7 +763,7 @@
           <a:p>
             <a:fld id="{CA1BB51F-BFC6-4DD3-8C2A-5B21FD6F69C3}" type="datetimeFigureOut">
               <a:rPr lang="en-SE" smtClean="0"/>
-              <a:t>2023-10-05</a:t>
+              <a:t>10/01/2023</a:t>
             </a:fld>
             <a:endParaRPr lang="en-SE"/>
           </a:p>
@@ -1007,7 +1007,7 @@
           <a:p>
             <a:fld id="{CA1BB51F-BFC6-4DD3-8C2A-5B21FD6F69C3}" type="datetimeFigureOut">
               <a:rPr lang="en-SE" smtClean="0"/>
-              <a:t>2023-10-05</a:t>
+              <a:t>10/01/2023</a:t>
             </a:fld>
             <a:endParaRPr lang="en-SE"/>
           </a:p>
@@ -1239,7 +1239,7 @@
           <a:p>
             <a:fld id="{CA1BB51F-BFC6-4DD3-8C2A-5B21FD6F69C3}" type="datetimeFigureOut">
               <a:rPr lang="en-SE" smtClean="0"/>
-              <a:t>2023-10-05</a:t>
+              <a:t>10/01/2023</a:t>
             </a:fld>
             <a:endParaRPr lang="en-SE"/>
           </a:p>
@@ -1606,7 +1606,7 @@
           <a:p>
             <a:fld id="{CA1BB51F-BFC6-4DD3-8C2A-5B21FD6F69C3}" type="datetimeFigureOut">
               <a:rPr lang="en-SE" smtClean="0"/>
-              <a:t>2023-10-05</a:t>
+              <a:t>10/01/2023</a:t>
             </a:fld>
             <a:endParaRPr lang="en-SE"/>
           </a:p>
@@ -1724,7 +1724,7 @@
           <a:p>
             <a:fld id="{CA1BB51F-BFC6-4DD3-8C2A-5B21FD6F69C3}" type="datetimeFigureOut">
               <a:rPr lang="en-SE" smtClean="0"/>
-              <a:t>2023-10-05</a:t>
+              <a:t>10/01/2023</a:t>
             </a:fld>
             <a:endParaRPr lang="en-SE"/>
           </a:p>
@@ -1819,7 +1819,7 @@
           <a:p>
             <a:fld id="{CA1BB51F-BFC6-4DD3-8C2A-5B21FD6F69C3}" type="datetimeFigureOut">
               <a:rPr lang="en-SE" smtClean="0"/>
-              <a:t>2023-10-05</a:t>
+              <a:t>10/01/2023</a:t>
             </a:fld>
             <a:endParaRPr lang="en-SE"/>
           </a:p>
@@ -2096,7 +2096,7 @@
           <a:p>
             <a:fld id="{CA1BB51F-BFC6-4DD3-8C2A-5B21FD6F69C3}" type="datetimeFigureOut">
               <a:rPr lang="en-SE" smtClean="0"/>
-              <a:t>2023-10-05</a:t>
+              <a:t>10/01/2023</a:t>
             </a:fld>
             <a:endParaRPr lang="en-SE"/>
           </a:p>
@@ -2353,7 +2353,7 @@
           <a:p>
             <a:fld id="{CA1BB51F-BFC6-4DD3-8C2A-5B21FD6F69C3}" type="datetimeFigureOut">
               <a:rPr lang="en-SE" smtClean="0"/>
-              <a:t>2023-10-05</a:t>
+              <a:t>10/01/2023</a:t>
             </a:fld>
             <a:endParaRPr lang="en-SE"/>
           </a:p>
@@ -2566,7 +2566,7 @@
           <a:p>
             <a:fld id="{CA1BB51F-BFC6-4DD3-8C2A-5B21FD6F69C3}" type="datetimeFigureOut">
               <a:rPr lang="en-SE" smtClean="0"/>
-              <a:t>2023-10-05</a:t>
+              <a:t>10/01/2023</a:t>
             </a:fld>
             <a:endParaRPr lang="en-SE"/>
           </a:p>
@@ -3212,7 +3212,7 @@
           </p:nvSpPr>
           <p:spPr>
             <a:xfrm>
-              <a:off x="2372410" y="875230"/>
+              <a:off x="2774597" y="727587"/>
               <a:ext cx="252000" cy="252000"/>
             </a:xfrm>
             <a:prstGeom prst="ellipse">
